--- a/专题/版本控制那些事.pptx
+++ b/专题/版本控制那些事.pptx
@@ -5,10 +5,10 @@
     <p:sldMasterId id="2147483648" r:id="rId1"/>
   </p:sldMasterIdLst>
   <p:notesMasterIdLst>
-    <p:notesMasterId r:id="rId19"/>
+    <p:notesMasterId r:id="rId25"/>
   </p:notesMasterIdLst>
   <p:handoutMasterIdLst>
-    <p:handoutMasterId r:id="rId20"/>
+    <p:handoutMasterId r:id="rId37"/>
   </p:handoutMasterIdLst>
   <p:sldIdLst>
     <p:sldId id="256" r:id="rId3"/>
@@ -27,6 +27,23 @@
     <p:sldId id="270" r:id="rId16"/>
     <p:sldId id="268" r:id="rId17"/>
     <p:sldId id="269" r:id="rId18"/>
+    <p:sldId id="275" r:id="rId19"/>
+    <p:sldId id="277" r:id="rId20"/>
+    <p:sldId id="276" r:id="rId21"/>
+    <p:sldId id="278" r:id="rId22"/>
+    <p:sldId id="279" r:id="rId23"/>
+    <p:sldId id="280" r:id="rId24"/>
+    <p:sldId id="281" r:id="rId26"/>
+    <p:sldId id="282" r:id="rId27"/>
+    <p:sldId id="284" r:id="rId28"/>
+    <p:sldId id="285" r:id="rId29"/>
+    <p:sldId id="287" r:id="rId30"/>
+    <p:sldId id="288" r:id="rId31"/>
+    <p:sldId id="289" r:id="rId32"/>
+    <p:sldId id="290" r:id="rId33"/>
+    <p:sldId id="291" r:id="rId34"/>
+    <p:sldId id="292" r:id="rId35"/>
+    <p:sldId id="293" r:id="rId36"/>
   </p:sldIdLst>
   <p:sldSz cx="12192000" cy="6858000"/>
   <p:notesSz cx="7103745" cy="10234295"/>
@@ -631,6 +648,50 @@
     </a:lvl9pPr>
   </p:notesStyle>
 </p:notesMaster>
+</file>
+
+<file path=ppt/notesSlides/notesSlide1.xml><?xml version="1.0" encoding="utf-8"?>
+<p:notes xmlns:a="http://schemas.openxmlformats.org/drawingml/2006/main" xmlns:r="http://schemas.openxmlformats.org/officeDocument/2006/relationships" xmlns:p="http://schemas.openxmlformats.org/presentationml/2006/main">
+  <p:cSld>
+    <p:spTree>
+      <p:nvGrpSpPr>
+        <p:cNvPr id="1" name=""/>
+        <p:cNvGrpSpPr/>
+        <p:nvPr/>
+      </p:nvGrpSpPr>
+      <p:grpSpPr/>
+      <p:sp>
+        <p:nvSpPr>
+          <p:cNvPr id="2" name="幻灯片图像占位符 1"/>
+          <p:cNvSpPr/>
+          <p:nvPr>
+            <p:ph type="sldImg" idx="2"/>
+          </p:nvPr>
+        </p:nvSpPr>
+        <p:spPr/>
+      </p:sp>
+      <p:sp>
+        <p:nvSpPr>
+          <p:cNvPr id="3" name="文本占位符 2"/>
+          <p:cNvSpPr/>
+          <p:nvPr>
+            <p:ph type="body" idx="3"/>
+          </p:nvPr>
+        </p:nvSpPr>
+        <p:spPr/>
+        <p:txBody>
+          <a:bodyPr/>
+          <a:p>
+            <a:endParaRPr lang="zh-CN" altLang="en-US"/>
+          </a:p>
+        </p:txBody>
+      </p:sp>
+    </p:spTree>
+  </p:cSld>
+  <p:clrMapOvr>
+    <a:masterClrMapping/>
+  </p:clrMapOvr>
+</p:notes>
 </file>
 
 <file path=ppt/slideLayouts/slideLayout1.xml><?xml version="1.0" encoding="utf-8"?>
@@ -4313,6 +4374,198 @@
 </p:sld>
 </file>
 
+<file path=ppt/slides/slide17.xml><?xml version="1.0" encoding="utf-8"?>
+<p:sld xmlns:a="http://schemas.openxmlformats.org/drawingml/2006/main" xmlns:r="http://schemas.openxmlformats.org/officeDocument/2006/relationships" xmlns:p="http://schemas.openxmlformats.org/presentationml/2006/main">
+  <p:cSld>
+    <p:spTree>
+      <p:nvGrpSpPr>
+        <p:cNvPr id="1" name=""/>
+        <p:cNvGrpSpPr/>
+        <p:nvPr/>
+      </p:nvGrpSpPr>
+      <p:grpSpPr/>
+      <p:sp>
+        <p:nvSpPr>
+          <p:cNvPr id="2" name="标题 1"/>
+          <p:cNvSpPr>
+            <a:spLocks noGrp="1"/>
+          </p:cNvSpPr>
+          <p:nvPr>
+            <p:ph type="title"/>
+          </p:nvPr>
+        </p:nvSpPr>
+        <p:spPr/>
+        <p:txBody>
+          <a:bodyPr/>
+          <a:p>
+            <a:r>
+              <a:rPr lang="en-US" altLang="zh-CN"/>
+              <a:t> </a:t>
+            </a:r>
+            <a:r>
+              <a:rPr lang="zh-CN" altLang="en-US"/>
+              <a:t>问题</a:t>
+            </a:r>
+            <a:endParaRPr lang="zh-CN" altLang="en-US"/>
+          </a:p>
+        </p:txBody>
+      </p:sp>
+      <p:sp>
+        <p:nvSpPr>
+          <p:cNvPr id="3" name="内容占位符 2"/>
+          <p:cNvSpPr>
+            <a:spLocks noGrp="1"/>
+          </p:cNvSpPr>
+          <p:nvPr>
+            <p:ph idx="1"/>
+          </p:nvPr>
+        </p:nvSpPr>
+        <p:spPr/>
+        <p:txBody>
+          <a:bodyPr/>
+          <a:p>
+            <a:r>
+              <a:rPr lang="zh-CN" altLang="en-US"/>
+              <a:t>版本控制系统能解决我们工作中的哪些问题</a:t>
+            </a:r>
+            <a:r>
+              <a:rPr lang="en-US" altLang="zh-CN"/>
+              <a:t>?</a:t>
+            </a:r>
+            <a:endParaRPr lang="zh-CN" altLang="en-US"/>
+          </a:p>
+          <a:p>
+            <a:r>
+              <a:rPr lang="zh-CN" altLang="en-US"/>
+              <a:t>版本控制系统有那两大阵营，请列举其代表性的系统</a:t>
+            </a:r>
+            <a:r>
+              <a:rPr lang="en-US" altLang="zh-CN"/>
+              <a:t>?</a:t>
+            </a:r>
+            <a:endParaRPr lang="zh-CN" altLang="en-US"/>
+          </a:p>
+          <a:p>
+            <a:endParaRPr lang="zh-CN" altLang="en-US"/>
+          </a:p>
+        </p:txBody>
+      </p:sp>
+    </p:spTree>
+  </p:cSld>
+  <p:clrMapOvr>
+    <a:masterClrMapping/>
+  </p:clrMapOvr>
+</p:sld>
+</file>
+
+<file path=ppt/slides/slide18.xml><?xml version="1.0" encoding="utf-8"?>
+<p:sld xmlns:a="http://schemas.openxmlformats.org/drawingml/2006/main" xmlns:r="http://schemas.openxmlformats.org/officeDocument/2006/relationships" xmlns:p="http://schemas.openxmlformats.org/presentationml/2006/main">
+  <p:cSld>
+    <p:spTree>
+      <p:nvGrpSpPr>
+        <p:cNvPr id="1" name=""/>
+        <p:cNvGrpSpPr/>
+        <p:nvPr/>
+      </p:nvGrpSpPr>
+      <p:grpSpPr/>
+      <p:sp>
+        <p:nvSpPr>
+          <p:cNvPr id="2" name="标题 1"/>
+          <p:cNvSpPr>
+            <a:spLocks noGrp="1"/>
+          </p:cNvSpPr>
+          <p:nvPr>
+            <p:ph type="title"/>
+          </p:nvPr>
+        </p:nvSpPr>
+        <p:spPr/>
+        <p:txBody>
+          <a:bodyPr/>
+          <a:p>
+            <a:r>
+              <a:rPr lang="en-US" altLang="zh-CN"/>
+              <a:t>Git</a:t>
+            </a:r>
+            <a:r>
+              <a:rPr lang="zh-CN" altLang="en-US"/>
+              <a:t>下载地址</a:t>
+            </a:r>
+            <a:endParaRPr lang="zh-CN" altLang="en-US"/>
+          </a:p>
+        </p:txBody>
+      </p:sp>
+      <p:sp>
+        <p:nvSpPr>
+          <p:cNvPr id="3" name="内容占位符 2"/>
+          <p:cNvSpPr>
+            <a:spLocks noGrp="1"/>
+          </p:cNvSpPr>
+          <p:nvPr>
+            <p:ph idx="1"/>
+          </p:nvPr>
+        </p:nvSpPr>
+        <p:spPr/>
+        <p:txBody>
+          <a:bodyPr/>
+          <a:p>
+            <a:r>
+              <a:rPr lang="zh-CN" altLang="en-US"/>
+              <a:t>https://git-scm.com/downloads</a:t>
+            </a:r>
+            <a:endParaRPr lang="zh-CN" altLang="en-US"/>
+          </a:p>
+        </p:txBody>
+      </p:sp>
+    </p:spTree>
+  </p:cSld>
+  <p:clrMapOvr>
+    <a:masterClrMapping/>
+  </p:clrMapOvr>
+</p:sld>
+</file>
+
+<file path=ppt/slides/slide19.xml><?xml version="1.0" encoding="utf-8"?>
+<p:sld xmlns:a="http://schemas.openxmlformats.org/drawingml/2006/main" xmlns:r="http://schemas.openxmlformats.org/officeDocument/2006/relationships" xmlns:p="http://schemas.openxmlformats.org/presentationml/2006/main">
+  <p:cSld>
+    <p:spTree>
+      <p:nvGrpSpPr>
+        <p:cNvPr id="1" name=""/>
+        <p:cNvGrpSpPr/>
+        <p:nvPr/>
+      </p:nvGrpSpPr>
+      <p:grpSpPr/>
+      <p:pic>
+        <p:nvPicPr>
+          <p:cNvPr id="5" name="图片 4"/>
+          <p:cNvPicPr>
+            <a:picLocks noChangeAspect="1"/>
+          </p:cNvPicPr>
+          <p:nvPr/>
+        </p:nvPicPr>
+        <p:blipFill>
+          <a:blip r:embed="rId1"/>
+          <a:stretch>
+            <a:fillRect/>
+          </a:stretch>
+        </p:blipFill>
+        <p:spPr>
+          <a:xfrm>
+            <a:off x="2313305" y="457200"/>
+            <a:ext cx="7400925" cy="5943600"/>
+          </a:xfrm>
+          <a:prstGeom prst="rect">
+            <a:avLst/>
+          </a:prstGeom>
+        </p:spPr>
+      </p:pic>
+    </p:spTree>
+  </p:cSld>
+  <p:clrMapOvr>
+    <a:masterClrMapping/>
+  </p:clrMapOvr>
+</p:sld>
+</file>
+
 <file path=ppt/slides/slide2.xml><?xml version="1.0" encoding="utf-8"?>
 <p:sld xmlns:a="http://schemas.openxmlformats.org/drawingml/2006/main" xmlns:r="http://schemas.openxmlformats.org/officeDocument/2006/relationships" xmlns:p="http://schemas.openxmlformats.org/presentationml/2006/main">
   <p:cSld>
@@ -4346,6 +4599,744 @@
             <a:r>
               <a:rPr lang="zh-CN" altLang="en-US"/>
               <a:t>为什么要聊这个事儿</a:t>
+            </a:r>
+            <a:endParaRPr lang="zh-CN" altLang="en-US"/>
+          </a:p>
+        </p:txBody>
+      </p:sp>
+    </p:spTree>
+  </p:cSld>
+  <p:clrMapOvr>
+    <a:masterClrMapping/>
+  </p:clrMapOvr>
+</p:sld>
+</file>
+
+<file path=ppt/slides/slide20.xml><?xml version="1.0" encoding="utf-8"?>
+<p:sld xmlns:a="http://schemas.openxmlformats.org/drawingml/2006/main" xmlns:r="http://schemas.openxmlformats.org/officeDocument/2006/relationships" xmlns:p="http://schemas.openxmlformats.org/presentationml/2006/main">
+  <p:cSld>
+    <p:spTree>
+      <p:nvGrpSpPr>
+        <p:cNvPr id="1" name=""/>
+        <p:cNvGrpSpPr/>
+        <p:nvPr/>
+      </p:nvGrpSpPr>
+      <p:grpSpPr/>
+      <p:sp>
+        <p:nvSpPr>
+          <p:cNvPr id="2" name="标题 1"/>
+          <p:cNvSpPr>
+            <a:spLocks noGrp="1"/>
+          </p:cNvSpPr>
+          <p:nvPr>
+            <p:ph type="title"/>
+          </p:nvPr>
+        </p:nvSpPr>
+        <p:spPr/>
+        <p:txBody>
+          <a:bodyPr/>
+          <a:p>
+            <a:endParaRPr lang="zh-CN" altLang="en-US"/>
+          </a:p>
+        </p:txBody>
+      </p:sp>
+      <p:pic>
+        <p:nvPicPr>
+          <p:cNvPr id="4" name="内容占位符 3"/>
+          <p:cNvPicPr>
+            <a:picLocks noChangeAspect="1"/>
+          </p:cNvPicPr>
+          <p:nvPr>
+            <p:ph idx="1"/>
+          </p:nvPr>
+        </p:nvPicPr>
+        <p:blipFill>
+          <a:blip r:embed="rId1"/>
+          <a:stretch>
+            <a:fillRect/>
+          </a:stretch>
+        </p:blipFill>
+        <p:spPr>
+          <a:xfrm>
+            <a:off x="2409190" y="1600200"/>
+            <a:ext cx="7372985" cy="4526280"/>
+          </a:xfrm>
+          <a:prstGeom prst="rect">
+            <a:avLst/>
+          </a:prstGeom>
+        </p:spPr>
+      </p:pic>
+    </p:spTree>
+  </p:cSld>
+  <p:clrMapOvr>
+    <a:masterClrMapping/>
+  </p:clrMapOvr>
+</p:sld>
+</file>
+
+<file path=ppt/slides/slide21.xml><?xml version="1.0" encoding="utf-8"?>
+<p:sld xmlns:a="http://schemas.openxmlformats.org/drawingml/2006/main" xmlns:r="http://schemas.openxmlformats.org/officeDocument/2006/relationships" xmlns:p="http://schemas.openxmlformats.org/presentationml/2006/main">
+  <p:cSld>
+    <p:spTree>
+      <p:nvGrpSpPr>
+        <p:cNvPr id="1" name=""/>
+        <p:cNvGrpSpPr/>
+        <p:nvPr/>
+      </p:nvGrpSpPr>
+      <p:grpSpPr/>
+      <p:sp>
+        <p:nvSpPr>
+          <p:cNvPr id="2" name="标题 1"/>
+          <p:cNvSpPr>
+            <a:spLocks noGrp="1"/>
+          </p:cNvSpPr>
+          <p:nvPr>
+            <p:ph type="title"/>
+          </p:nvPr>
+        </p:nvSpPr>
+        <p:spPr/>
+        <p:txBody>
+          <a:bodyPr/>
+          <a:p>
+            <a:endParaRPr lang="zh-CN" altLang="en-US"/>
+          </a:p>
+        </p:txBody>
+      </p:sp>
+      <p:sp>
+        <p:nvSpPr>
+          <p:cNvPr id="4" name="文本框 3"/>
+          <p:cNvSpPr txBox="1"/>
+          <p:nvPr/>
+        </p:nvSpPr>
+        <p:spPr>
+          <a:xfrm>
+            <a:off x="608965" y="1797685"/>
+            <a:ext cx="10972800" cy="368300"/>
+          </a:xfrm>
+          <a:prstGeom prst="rect">
+            <a:avLst/>
+          </a:prstGeom>
+          <a:noFill/>
+        </p:spPr>
+        <p:txBody>
+          <a:bodyPr wrap="square" rtlCol="0" anchor="t">
+            <a:spAutoFit/>
+          </a:bodyPr>
+          <a:p>
+            <a:r>
+              <a:rPr lang="zh-CN" altLang="en-US"/>
+              <a:t>安装完成后，在开始菜单里找到“Git”-&gt;“Git Bash”，蹦出一个类似命令行窗口的东西，就说明Git安装成功！</a:t>
+            </a:r>
+            <a:endParaRPr lang="zh-CN" altLang="en-US"/>
+          </a:p>
+        </p:txBody>
+      </p:sp>
+    </p:spTree>
+  </p:cSld>
+  <p:clrMapOvr>
+    <a:masterClrMapping/>
+  </p:clrMapOvr>
+</p:sld>
+</file>
+
+<file path=ppt/slides/slide22.xml><?xml version="1.0" encoding="utf-8"?>
+<p:sld xmlns:a="http://schemas.openxmlformats.org/drawingml/2006/main" xmlns:r="http://schemas.openxmlformats.org/officeDocument/2006/relationships" xmlns:p="http://schemas.openxmlformats.org/presentationml/2006/main">
+  <p:cSld>
+    <p:spTree>
+      <p:nvGrpSpPr>
+        <p:cNvPr id="1" name=""/>
+        <p:cNvGrpSpPr/>
+        <p:nvPr/>
+      </p:nvGrpSpPr>
+      <p:grpSpPr/>
+      <p:sp>
+        <p:nvSpPr>
+          <p:cNvPr id="2" name="标题 1"/>
+          <p:cNvSpPr>
+            <a:spLocks noGrp="1"/>
+          </p:cNvSpPr>
+          <p:nvPr>
+            <p:ph type="title"/>
+          </p:nvPr>
+        </p:nvSpPr>
+        <p:spPr/>
+        <p:txBody>
+          <a:bodyPr/>
+          <a:p>
+            <a:r>
+              <a:rPr lang="zh-CN" altLang="en-US"/>
+              <a:t>配置</a:t>
+            </a:r>
+            <a:r>
+              <a:rPr lang="en-US" altLang="zh-CN"/>
+              <a:t>Git</a:t>
+            </a:r>
+            <a:r>
+              <a:rPr lang="zh-CN" altLang="en-US"/>
+              <a:t>本地用户</a:t>
+            </a:r>
+            <a:endParaRPr lang="zh-CN" altLang="en-US"/>
+          </a:p>
+        </p:txBody>
+      </p:sp>
+      <p:sp>
+        <p:nvSpPr>
+          <p:cNvPr id="4" name="文本框 3"/>
+          <p:cNvSpPr txBox="1"/>
+          <p:nvPr/>
+        </p:nvSpPr>
+        <p:spPr>
+          <a:xfrm>
+            <a:off x="960755" y="2791460"/>
+            <a:ext cx="10622280" cy="953135"/>
+          </a:xfrm>
+          <a:prstGeom prst="rect">
+            <a:avLst/>
+          </a:prstGeom>
+          <a:noFill/>
+        </p:spPr>
+        <p:txBody>
+          <a:bodyPr wrap="square" rtlCol="0" anchor="t">
+            <a:spAutoFit/>
+          </a:bodyPr>
+          <a:p>
+            <a:r>
+              <a:rPr lang="zh-CN" altLang="en-US" sz="2800"/>
+              <a:t>$ git config --global user.name "Your Name"</a:t>
+            </a:r>
+            <a:endParaRPr lang="zh-CN" altLang="en-US" sz="2800"/>
+          </a:p>
+          <a:p>
+            <a:r>
+              <a:rPr lang="zh-CN" altLang="en-US" sz="2800"/>
+              <a:t>$ git config --global user.email "email@example.com"</a:t>
+            </a:r>
+            <a:endParaRPr lang="zh-CN" altLang="en-US" sz="2800"/>
+          </a:p>
+        </p:txBody>
+      </p:sp>
+    </p:spTree>
+  </p:cSld>
+  <p:clrMapOvr>
+    <a:masterClrMapping/>
+  </p:clrMapOvr>
+</p:sld>
+</file>
+
+<file path=ppt/slides/slide23.xml><?xml version="1.0" encoding="utf-8"?>
+<p:sld xmlns:a="http://schemas.openxmlformats.org/drawingml/2006/main" xmlns:r="http://schemas.openxmlformats.org/officeDocument/2006/relationships" xmlns:p="http://schemas.openxmlformats.org/presentationml/2006/main">
+  <p:cSld>
+    <p:spTree>
+      <p:nvGrpSpPr>
+        <p:cNvPr id="1" name=""/>
+        <p:cNvGrpSpPr/>
+        <p:nvPr/>
+      </p:nvGrpSpPr>
+      <p:grpSpPr/>
+      <p:sp>
+        <p:nvSpPr>
+          <p:cNvPr id="2" name="标题 1"/>
+          <p:cNvSpPr>
+            <a:spLocks noGrp="1"/>
+          </p:cNvSpPr>
+          <p:nvPr>
+            <p:ph type="title"/>
+          </p:nvPr>
+        </p:nvSpPr>
+        <p:spPr>
+          <a:xfrm>
+            <a:off x="609600" y="284798"/>
+            <a:ext cx="10972800" cy="1143000"/>
+          </a:xfrm>
+        </p:spPr>
+        <p:txBody>
+          <a:bodyPr/>
+          <a:p>
+            <a:r>
+              <a:rPr lang="zh-CN" altLang="en-US"/>
+              <a:t>创建代码仓库</a:t>
+            </a:r>
+            <a:endParaRPr lang="zh-CN" altLang="en-US"/>
+          </a:p>
+        </p:txBody>
+      </p:sp>
+      <p:sp>
+        <p:nvSpPr>
+          <p:cNvPr id="3" name="内容占位符 2"/>
+          <p:cNvSpPr>
+            <a:spLocks noGrp="1"/>
+          </p:cNvSpPr>
+          <p:nvPr>
+            <p:ph idx="1"/>
+          </p:nvPr>
+        </p:nvSpPr>
+        <p:spPr/>
+        <p:txBody>
+          <a:bodyPr/>
+          <a:p>
+            <a:r>
+              <a:rPr lang="zh-CN" altLang="en-US"/>
+              <a:t>在</a:t>
+            </a:r>
+            <a:r>
+              <a:rPr lang="en-US" altLang="zh-CN"/>
+              <a:t>github</a:t>
+            </a:r>
+            <a:r>
+              <a:rPr lang="zh-CN" altLang="en-US"/>
+              <a:t>或者</a:t>
+            </a:r>
+            <a:r>
+              <a:rPr lang="en-US" altLang="zh-CN"/>
+              <a:t>Gitee</a:t>
+            </a:r>
+            <a:r>
+              <a:rPr lang="zh-CN" altLang="en-US"/>
+              <a:t>上创建一个代码仓库</a:t>
+            </a:r>
+            <a:r>
+              <a:rPr lang="en-US" altLang="zh-CN"/>
+              <a:t>(Repository)</a:t>
+            </a:r>
+            <a:endParaRPr lang="en-US" altLang="zh-CN"/>
+          </a:p>
+        </p:txBody>
+      </p:sp>
+    </p:spTree>
+  </p:cSld>
+  <p:clrMapOvr>
+    <a:masterClrMapping/>
+  </p:clrMapOvr>
+</p:sld>
+</file>
+
+<file path=ppt/slides/slide24.xml><?xml version="1.0" encoding="utf-8"?>
+<p:sld xmlns:a="http://schemas.openxmlformats.org/drawingml/2006/main" xmlns:r="http://schemas.openxmlformats.org/officeDocument/2006/relationships" xmlns:p="http://schemas.openxmlformats.org/presentationml/2006/main">
+  <p:cSld>
+    <p:spTree>
+      <p:nvGrpSpPr>
+        <p:cNvPr id="1" name=""/>
+        <p:cNvGrpSpPr/>
+        <p:nvPr/>
+      </p:nvGrpSpPr>
+      <p:grpSpPr/>
+      <p:pic>
+        <p:nvPicPr>
+          <p:cNvPr id="4" name="内容占位符 3"/>
+          <p:cNvPicPr>
+            <a:picLocks noChangeAspect="1"/>
+          </p:cNvPicPr>
+          <p:nvPr>
+            <p:ph idx="1"/>
+          </p:nvPr>
+        </p:nvPicPr>
+        <p:blipFill>
+          <a:blip r:embed="rId1"/>
+          <a:stretch>
+            <a:fillRect/>
+          </a:stretch>
+        </p:blipFill>
+        <p:spPr>
+          <a:xfrm>
+            <a:off x="3144520" y="473710"/>
+            <a:ext cx="5461635" cy="6036945"/>
+          </a:xfrm>
+          <a:prstGeom prst="rect">
+            <a:avLst/>
+          </a:prstGeom>
+        </p:spPr>
+      </p:pic>
+    </p:spTree>
+  </p:cSld>
+  <p:clrMapOvr>
+    <a:masterClrMapping/>
+  </p:clrMapOvr>
+</p:sld>
+</file>
+
+<file path=ppt/slides/slide25.xml><?xml version="1.0" encoding="utf-8"?>
+<p:sld xmlns:a="http://schemas.openxmlformats.org/drawingml/2006/main" xmlns:r="http://schemas.openxmlformats.org/officeDocument/2006/relationships" xmlns:p="http://schemas.openxmlformats.org/presentationml/2006/main">
+  <p:cSld>
+    <p:spTree>
+      <p:nvGrpSpPr>
+        <p:cNvPr id="1" name=""/>
+        <p:cNvGrpSpPr/>
+        <p:nvPr/>
+      </p:nvGrpSpPr>
+      <p:grpSpPr/>
+      <p:sp>
+        <p:nvSpPr>
+          <p:cNvPr id="2" name="标题 1"/>
+          <p:cNvSpPr>
+            <a:spLocks noGrp="1"/>
+          </p:cNvSpPr>
+          <p:nvPr>
+            <p:ph type="title"/>
+          </p:nvPr>
+        </p:nvSpPr>
+        <p:spPr/>
+        <p:txBody>
+          <a:bodyPr/>
+          <a:p>
+            <a:r>
+              <a:rPr lang="en-US" altLang="zh-CN"/>
+              <a:t>Git</a:t>
+            </a:r>
+            <a:r>
+              <a:rPr lang="zh-CN" altLang="en-US"/>
+              <a:t>的基本命令</a:t>
+            </a:r>
+            <a:endParaRPr lang="zh-CN" altLang="en-US"/>
+          </a:p>
+        </p:txBody>
+      </p:sp>
+      <p:sp>
+        <p:nvSpPr>
+          <p:cNvPr id="6" name="文本框 5"/>
+          <p:cNvSpPr txBox="1"/>
+          <p:nvPr/>
+        </p:nvSpPr>
+        <p:spPr>
+          <a:xfrm>
+            <a:off x="1341755" y="1952625"/>
+            <a:ext cx="8644890" cy="2861310"/>
+          </a:xfrm>
+          <a:prstGeom prst="rect">
+            <a:avLst/>
+          </a:prstGeom>
+          <a:noFill/>
+        </p:spPr>
+        <p:txBody>
+          <a:bodyPr wrap="square" rtlCol="0" anchor="t">
+            <a:spAutoFit/>
+          </a:bodyPr>
+          <a:p>
+            <a:endParaRPr lang="zh-CN" altLang="en-US" sz="3600"/>
+          </a:p>
+          <a:p>
+            <a:r>
+              <a:rPr lang="zh-CN" altLang="en-US" sz="3600"/>
+              <a:t>设置本地用户名和邮箱</a:t>
+            </a:r>
+            <a:endParaRPr lang="zh-CN" altLang="en-US" sz="3600"/>
+          </a:p>
+          <a:p>
+            <a:endParaRPr lang="zh-CN" altLang="en-US" sz="3600"/>
+          </a:p>
+          <a:p>
+            <a:r>
+              <a:rPr lang="zh-CN" altLang="en-US" sz="3600"/>
+              <a:t>命令: git config --global user.name "名字"</a:t>
+            </a:r>
+            <a:endParaRPr lang="zh-CN" altLang="en-US" sz="3600"/>
+          </a:p>
+          <a:p>
+            <a:r>
+              <a:rPr lang="zh-CN" altLang="en-US" sz="3600"/>
+              <a:t>命令: git config --global user.email "邮箱"</a:t>
+            </a:r>
+            <a:endParaRPr lang="zh-CN" altLang="en-US" sz="3600"/>
+          </a:p>
+        </p:txBody>
+      </p:sp>
+    </p:spTree>
+  </p:cSld>
+  <p:clrMapOvr>
+    <a:masterClrMapping/>
+  </p:clrMapOvr>
+</p:sld>
+</file>
+
+<file path=ppt/slides/slide26.xml><?xml version="1.0" encoding="utf-8"?>
+<p:sld xmlns:a="http://schemas.openxmlformats.org/drawingml/2006/main" xmlns:r="http://schemas.openxmlformats.org/officeDocument/2006/relationships" xmlns:p="http://schemas.openxmlformats.org/presentationml/2006/main">
+  <p:cSld>
+    <p:spTree>
+      <p:nvGrpSpPr>
+        <p:cNvPr id="1" name=""/>
+        <p:cNvGrpSpPr/>
+        <p:nvPr/>
+      </p:nvGrpSpPr>
+      <p:grpSpPr/>
+      <p:sp>
+        <p:nvSpPr>
+          <p:cNvPr id="2" name="标题 1"/>
+          <p:cNvSpPr>
+            <a:spLocks noGrp="1"/>
+          </p:cNvSpPr>
+          <p:nvPr>
+            <p:ph type="title"/>
+          </p:nvPr>
+        </p:nvSpPr>
+        <p:spPr/>
+        <p:txBody>
+          <a:bodyPr/>
+          <a:p>
+            <a:endParaRPr lang="zh-CN" altLang="en-US"/>
+          </a:p>
+        </p:txBody>
+      </p:sp>
+      <p:sp>
+        <p:nvSpPr>
+          <p:cNvPr id="4" name="文本框 3"/>
+          <p:cNvSpPr txBox="1"/>
+          <p:nvPr/>
+        </p:nvSpPr>
+        <p:spPr>
+          <a:xfrm>
+            <a:off x="609600" y="1537335"/>
+            <a:ext cx="10973435" cy="2306955"/>
+          </a:xfrm>
+          <a:prstGeom prst="rect">
+            <a:avLst/>
+          </a:prstGeom>
+          <a:noFill/>
+        </p:spPr>
+        <p:txBody>
+          <a:bodyPr wrap="square" rtlCol="0" anchor="t">
+            <a:spAutoFit/>
+          </a:bodyPr>
+          <a:p>
+            <a:endParaRPr lang="zh-CN" altLang="en-US" sz="3600"/>
+          </a:p>
+          <a:p>
+            <a:r>
+              <a:rPr lang="zh-CN" altLang="en-US" sz="3600"/>
+              <a:t>克隆</a:t>
+            </a:r>
+            <a:endParaRPr lang="zh-CN" altLang="en-US" sz="3600"/>
+          </a:p>
+          <a:p>
+            <a:endParaRPr lang="zh-CN" altLang="en-US" sz="3600"/>
+          </a:p>
+          <a:p>
+            <a:r>
+              <a:rPr lang="zh-CN" altLang="en-US" sz="3600"/>
+              <a:t>命令: git clone &lt;远程仓库地址&gt; &lt;文件夹名&gt;</a:t>
+            </a:r>
+            <a:endParaRPr lang="zh-CN" altLang="en-US" sz="3600"/>
+          </a:p>
+        </p:txBody>
+      </p:sp>
+    </p:spTree>
+  </p:cSld>
+  <p:clrMapOvr>
+    <a:masterClrMapping/>
+  </p:clrMapOvr>
+</p:sld>
+</file>
+
+<file path=ppt/slides/slide27.xml><?xml version="1.0" encoding="utf-8"?>
+<p:sld xmlns:a="http://schemas.openxmlformats.org/drawingml/2006/main" xmlns:r="http://schemas.openxmlformats.org/officeDocument/2006/relationships" xmlns:p="http://schemas.openxmlformats.org/presentationml/2006/main">
+  <p:cSld>
+    <p:spTree>
+      <p:nvGrpSpPr>
+        <p:cNvPr id="1" name=""/>
+        <p:cNvGrpSpPr/>
+        <p:nvPr/>
+      </p:nvGrpSpPr>
+      <p:grpSpPr/>
+      <p:sp>
+        <p:nvSpPr>
+          <p:cNvPr id="2" name="标题 1"/>
+          <p:cNvSpPr>
+            <a:spLocks noGrp="1"/>
+          </p:cNvSpPr>
+          <p:nvPr>
+            <p:ph type="title"/>
+          </p:nvPr>
+        </p:nvSpPr>
+        <p:spPr/>
+        <p:txBody>
+          <a:bodyPr/>
+          <a:p>
+            <a:endParaRPr lang="zh-CN" altLang="en-US"/>
+          </a:p>
+        </p:txBody>
+      </p:sp>
+      <p:sp>
+        <p:nvSpPr>
+          <p:cNvPr id="3" name="内容占位符 2"/>
+          <p:cNvSpPr>
+            <a:spLocks noGrp="1"/>
+          </p:cNvSpPr>
+          <p:nvPr>
+            <p:ph idx="1"/>
+          </p:nvPr>
+        </p:nvSpPr>
+        <p:spPr/>
+        <p:txBody>
+          <a:bodyPr/>
+          <a:p>
+            <a:pPr marL="0" indent="0">
+              <a:buNone/>
+            </a:pPr>
+            <a:r>
+              <a:rPr lang="zh-CN" altLang="en-US"/>
+              <a:t>添加所有新文件到库</a:t>
+            </a:r>
+            <a:endParaRPr lang="zh-CN" altLang="en-US"/>
+          </a:p>
+          <a:p>
+            <a:endParaRPr lang="zh-CN" altLang="en-US"/>
+          </a:p>
+          <a:p>
+            <a:pPr marL="0" indent="0">
+              <a:buNone/>
+            </a:pPr>
+            <a:r>
+              <a:rPr lang="zh-CN" altLang="en-US"/>
+              <a:t>命令: git add -A</a:t>
+            </a:r>
+            <a:endParaRPr lang="zh-CN" altLang="en-US"/>
+          </a:p>
+        </p:txBody>
+      </p:sp>
+    </p:spTree>
+  </p:cSld>
+  <p:clrMapOvr>
+    <a:masterClrMapping/>
+  </p:clrMapOvr>
+</p:sld>
+</file>
+
+<file path=ppt/slides/slide28.xml><?xml version="1.0" encoding="utf-8"?>
+<p:sld xmlns:a="http://schemas.openxmlformats.org/drawingml/2006/main" xmlns:r="http://schemas.openxmlformats.org/officeDocument/2006/relationships" xmlns:p="http://schemas.openxmlformats.org/presentationml/2006/main">
+  <p:cSld>
+    <p:spTree>
+      <p:nvGrpSpPr>
+        <p:cNvPr id="1" name=""/>
+        <p:cNvGrpSpPr/>
+        <p:nvPr/>
+      </p:nvGrpSpPr>
+      <p:grpSpPr/>
+      <p:sp>
+        <p:nvSpPr>
+          <p:cNvPr id="2" name="标题 1"/>
+          <p:cNvSpPr>
+            <a:spLocks noGrp="1"/>
+          </p:cNvSpPr>
+          <p:nvPr>
+            <p:ph type="title"/>
+          </p:nvPr>
+        </p:nvSpPr>
+        <p:spPr/>
+        <p:txBody>
+          <a:bodyPr/>
+          <a:p>
+            <a:endParaRPr lang="zh-CN" altLang="en-US"/>
+          </a:p>
+        </p:txBody>
+      </p:sp>
+      <p:sp>
+        <p:nvSpPr>
+          <p:cNvPr id="3" name="内容占位符 2"/>
+          <p:cNvSpPr>
+            <a:spLocks noGrp="1"/>
+          </p:cNvSpPr>
+          <p:nvPr>
+            <p:ph idx="1"/>
+          </p:nvPr>
+        </p:nvSpPr>
+        <p:spPr/>
+        <p:txBody>
+          <a:bodyPr/>
+          <a:p>
+            <a:pPr marL="0" indent="0">
+              <a:buNone/>
+            </a:pPr>
+            <a:r>
+              <a:rPr lang="zh-CN" altLang="en-US"/>
+              <a:t>提交</a:t>
+            </a:r>
+            <a:endParaRPr lang="zh-CN" altLang="en-US"/>
+          </a:p>
+          <a:p>
+            <a:endParaRPr lang="zh-CN" altLang="en-US"/>
+          </a:p>
+          <a:p>
+            <a:pPr marL="0" indent="0">
+              <a:buNone/>
+            </a:pPr>
+            <a:r>
+              <a:rPr lang="zh-CN" altLang="en-US"/>
+              <a:t>命令: git commit -m "更新说明"</a:t>
+            </a:r>
+            <a:endParaRPr lang="zh-CN" altLang="en-US"/>
+          </a:p>
+        </p:txBody>
+      </p:sp>
+    </p:spTree>
+  </p:cSld>
+  <p:clrMapOvr>
+    <a:masterClrMapping/>
+  </p:clrMapOvr>
+</p:sld>
+</file>
+
+<file path=ppt/slides/slide29.xml><?xml version="1.0" encoding="utf-8"?>
+<p:sld xmlns:a="http://schemas.openxmlformats.org/drawingml/2006/main" xmlns:r="http://schemas.openxmlformats.org/officeDocument/2006/relationships" xmlns:p="http://schemas.openxmlformats.org/presentationml/2006/main">
+  <p:cSld>
+    <p:spTree>
+      <p:nvGrpSpPr>
+        <p:cNvPr id="1" name=""/>
+        <p:cNvGrpSpPr/>
+        <p:nvPr/>
+      </p:nvGrpSpPr>
+      <p:grpSpPr/>
+      <p:sp>
+        <p:nvSpPr>
+          <p:cNvPr id="2" name="标题 1"/>
+          <p:cNvSpPr>
+            <a:spLocks noGrp="1"/>
+          </p:cNvSpPr>
+          <p:nvPr>
+            <p:ph type="title"/>
+          </p:nvPr>
+        </p:nvSpPr>
+        <p:spPr/>
+        <p:txBody>
+          <a:bodyPr/>
+          <a:p>
+            <a:endParaRPr lang="zh-CN" altLang="en-US"/>
+          </a:p>
+        </p:txBody>
+      </p:sp>
+      <p:sp>
+        <p:nvSpPr>
+          <p:cNvPr id="3" name="内容占位符 2"/>
+          <p:cNvSpPr>
+            <a:spLocks noGrp="1"/>
+          </p:cNvSpPr>
+          <p:nvPr>
+            <p:ph idx="1"/>
+          </p:nvPr>
+        </p:nvSpPr>
+        <p:spPr/>
+        <p:txBody>
+          <a:bodyPr/>
+          <a:p>
+            <a:pPr marL="0" indent="0">
+              <a:buNone/>
+            </a:pPr>
+            <a:r>
+              <a:rPr lang="zh-CN" altLang="en-US"/>
+              <a:t>初次推送</a:t>
+            </a:r>
+            <a:endParaRPr lang="zh-CN" altLang="en-US"/>
+          </a:p>
+          <a:p>
+            <a:pPr marL="0" indent="0">
+              <a:buNone/>
+            </a:pPr>
+            <a:endParaRPr lang="zh-CN" altLang="en-US"/>
+          </a:p>
+          <a:p>
+            <a:pPr marL="0" indent="0">
+              <a:buNone/>
+            </a:pPr>
+            <a:r>
+              <a:rPr lang="zh-CN" altLang="en-US"/>
+              <a:t>命令: git push -u origin master (指定默认库和分支)</a:t>
             </a:r>
             <a:endParaRPr lang="zh-CN" altLang="en-US"/>
           </a:p>
@@ -4413,6 +5404,228 @@
           <a:xfrm>
             <a:off x="3118485" y="1804035"/>
             <a:ext cx="5160010" cy="3539490"/>
+          </a:xfrm>
+          <a:prstGeom prst="rect">
+            <a:avLst/>
+          </a:prstGeom>
+        </p:spPr>
+      </p:pic>
+    </p:spTree>
+  </p:cSld>
+  <p:clrMapOvr>
+    <a:masterClrMapping/>
+  </p:clrMapOvr>
+</p:sld>
+</file>
+
+<file path=ppt/slides/slide30.xml><?xml version="1.0" encoding="utf-8"?>
+<p:sld xmlns:a="http://schemas.openxmlformats.org/drawingml/2006/main" xmlns:r="http://schemas.openxmlformats.org/officeDocument/2006/relationships" xmlns:p="http://schemas.openxmlformats.org/presentationml/2006/main">
+  <p:cSld>
+    <p:spTree>
+      <p:nvGrpSpPr>
+        <p:cNvPr id="1" name=""/>
+        <p:cNvGrpSpPr/>
+        <p:nvPr/>
+      </p:nvGrpSpPr>
+      <p:grpSpPr/>
+      <p:sp>
+        <p:nvSpPr>
+          <p:cNvPr id="2" name="标题 1"/>
+          <p:cNvSpPr>
+            <a:spLocks noGrp="1"/>
+          </p:cNvSpPr>
+          <p:nvPr>
+            <p:ph type="title"/>
+          </p:nvPr>
+        </p:nvSpPr>
+        <p:spPr/>
+        <p:txBody>
+          <a:bodyPr/>
+          <a:p>
+            <a:endParaRPr lang="zh-CN" altLang="en-US"/>
+          </a:p>
+        </p:txBody>
+      </p:sp>
+      <p:sp>
+        <p:nvSpPr>
+          <p:cNvPr id="3" name="内容占位符 2"/>
+          <p:cNvSpPr>
+            <a:spLocks noGrp="1"/>
+          </p:cNvSpPr>
+          <p:nvPr>
+            <p:ph idx="1"/>
+          </p:nvPr>
+        </p:nvSpPr>
+        <p:spPr/>
+        <p:txBody>
+          <a:bodyPr/>
+          <a:p>
+            <a:pPr marL="0" indent="0">
+              <a:buNone/>
+            </a:pPr>
+            <a:r>
+              <a:rPr lang="zh-CN" altLang="en-US"/>
+              <a:t>日常推送</a:t>
+            </a:r>
+            <a:endParaRPr lang="zh-CN" altLang="en-US"/>
+          </a:p>
+          <a:p>
+            <a:endParaRPr lang="zh-CN" altLang="en-US"/>
+          </a:p>
+          <a:p>
+            <a:pPr marL="0" indent="0">
+              <a:buNone/>
+            </a:pPr>
+            <a:r>
+              <a:rPr lang="zh-CN" altLang="en-US"/>
+              <a:t>命令: git push</a:t>
+            </a:r>
+            <a:endParaRPr lang="zh-CN" altLang="en-US"/>
+          </a:p>
+        </p:txBody>
+      </p:sp>
+    </p:spTree>
+  </p:cSld>
+  <p:clrMapOvr>
+    <a:masterClrMapping/>
+  </p:clrMapOvr>
+</p:sld>
+</file>
+
+<file path=ppt/slides/slide31.xml><?xml version="1.0" encoding="utf-8"?>
+<p:sld xmlns:a="http://schemas.openxmlformats.org/drawingml/2006/main" xmlns:r="http://schemas.openxmlformats.org/officeDocument/2006/relationships" xmlns:p="http://schemas.openxmlformats.org/presentationml/2006/main">
+  <p:cSld>
+    <p:spTree>
+      <p:nvGrpSpPr>
+        <p:cNvPr id="1" name=""/>
+        <p:cNvGrpSpPr/>
+        <p:nvPr/>
+      </p:nvGrpSpPr>
+      <p:grpSpPr/>
+      <p:sp>
+        <p:nvSpPr>
+          <p:cNvPr id="3" name="内容占位符 2"/>
+          <p:cNvSpPr>
+            <a:spLocks noGrp="1"/>
+          </p:cNvSpPr>
+          <p:nvPr>
+            <p:ph idx="1"/>
+          </p:nvPr>
+        </p:nvSpPr>
+        <p:spPr>
+          <a:xfrm>
+            <a:off x="4392295" y="2566670"/>
+            <a:ext cx="3592830" cy="547370"/>
+          </a:xfrm>
+        </p:spPr>
+        <p:txBody>
+          <a:bodyPr/>
+          <a:p>
+            <a:pPr marL="0" indent="0">
+              <a:buNone/>
+            </a:pPr>
+            <a:r>
+              <a:rPr lang="zh-CN" altLang="en-US"/>
+              <a:t>一些</a:t>
+            </a:r>
+            <a:r>
+              <a:rPr lang="en-US" altLang="zh-CN"/>
+              <a:t>Git</a:t>
+            </a:r>
+            <a:r>
+              <a:rPr lang="zh-CN" altLang="en-US"/>
+              <a:t>的</a:t>
+            </a:r>
+            <a:r>
+              <a:rPr lang="en-US" altLang="zh-CN"/>
+              <a:t>GUI</a:t>
+            </a:r>
+            <a:r>
+              <a:rPr lang="zh-CN" altLang="en-US"/>
+              <a:t>软件</a:t>
+            </a:r>
+            <a:endParaRPr lang="zh-CN" altLang="en-US"/>
+          </a:p>
+        </p:txBody>
+      </p:sp>
+    </p:spTree>
+  </p:cSld>
+  <p:clrMapOvr>
+    <a:masterClrMapping/>
+  </p:clrMapOvr>
+</p:sld>
+</file>
+
+<file path=ppt/slides/slide32.xml><?xml version="1.0" encoding="utf-8"?>
+<p:sld xmlns:a="http://schemas.openxmlformats.org/drawingml/2006/main" xmlns:r="http://schemas.openxmlformats.org/officeDocument/2006/relationships" xmlns:p="http://schemas.openxmlformats.org/presentationml/2006/main">
+  <p:cSld>
+    <p:spTree>
+      <p:nvGrpSpPr>
+        <p:cNvPr id="1" name=""/>
+        <p:cNvGrpSpPr/>
+        <p:nvPr/>
+      </p:nvGrpSpPr>
+      <p:grpSpPr/>
+      <p:pic>
+        <p:nvPicPr>
+          <p:cNvPr id="4" name="图片 3"/>
+          <p:cNvPicPr>
+            <a:picLocks noChangeAspect="1"/>
+          </p:cNvPicPr>
+          <p:nvPr/>
+        </p:nvPicPr>
+        <p:blipFill>
+          <a:blip r:embed="rId1"/>
+          <a:stretch>
+            <a:fillRect/>
+          </a:stretch>
+        </p:blipFill>
+        <p:spPr>
+          <a:xfrm>
+            <a:off x="3338195" y="327660"/>
+            <a:ext cx="5956935" cy="6202680"/>
+          </a:xfrm>
+          <a:prstGeom prst="rect">
+            <a:avLst/>
+          </a:prstGeom>
+        </p:spPr>
+      </p:pic>
+    </p:spTree>
+  </p:cSld>
+  <p:clrMapOvr>
+    <a:masterClrMapping/>
+  </p:clrMapOvr>
+</p:sld>
+</file>
+
+<file path=ppt/slides/slide33.xml><?xml version="1.0" encoding="utf-8"?>
+<p:sld xmlns:a="http://schemas.openxmlformats.org/drawingml/2006/main" xmlns:r="http://schemas.openxmlformats.org/officeDocument/2006/relationships" xmlns:p="http://schemas.openxmlformats.org/presentationml/2006/main">
+  <p:cSld>
+    <p:spTree>
+      <p:nvGrpSpPr>
+        <p:cNvPr id="1" name=""/>
+        <p:cNvGrpSpPr/>
+        <p:nvPr/>
+      </p:nvGrpSpPr>
+      <p:grpSpPr/>
+      <p:pic>
+        <p:nvPicPr>
+          <p:cNvPr id="4" name="图片 3"/>
+          <p:cNvPicPr>
+            <a:picLocks noChangeAspect="1"/>
+          </p:cNvPicPr>
+          <p:nvPr/>
+        </p:nvPicPr>
+        <p:blipFill>
+          <a:blip r:embed="rId1"/>
+          <a:stretch>
+            <a:fillRect/>
+          </a:stretch>
+        </p:blipFill>
+        <p:spPr>
+          <a:xfrm>
+            <a:off x="3260090" y="86995"/>
+            <a:ext cx="5937885" cy="6684010"/>
           </a:xfrm>
           <a:prstGeom prst="rect">
             <a:avLst/>
@@ -4598,13 +5811,7 @@
               <a:rPr lang="zh-CN" altLang="en-US">
                 <a:sym typeface="+mn-ea"/>
               </a:rPr>
-              <a:t>，Mercurial</a:t>
-            </a:r>
-            <a:r>
-              <a:rPr lang="zh-CN" altLang="en-US">
-                <a:sym typeface="+mn-ea"/>
-              </a:rPr>
-              <a:t>，</a:t>
+              <a:t>，Mercurial，</a:t>
             </a:r>
             <a:r>
               <a:rPr lang="en-US" altLang="zh-CN">
